--- a/project_presentation.pptx
+++ b/project_presentation.pptx
@@ -5500,11 +5500,7 @@
             </a:r>
             <a:r>
               <a:rPr lang="en-US" dirty="0" smtClean="0"/>
-              <a:t> </a:t>
-            </a:r>
-            <a:r>
-              <a:rPr lang="en-US" dirty="0" smtClean="0"/>
-              <a:t>Rules</a:t>
+              <a:t> Rules</a:t>
             </a:r>
             <a:endParaRPr lang="en-US" dirty="0"/>
           </a:p>
@@ -5635,9 +5631,10 @@
               <a:buNone/>
             </a:pPr>
             <a:r>
-              <a:rPr lang="en-US" sz="4000" dirty="0"/>
+              <a:rPr lang="en-US" sz="4000" dirty="0" smtClean="0"/>
               <a:t>Questions?</a:t>
             </a:r>
+            <a:endParaRPr lang="en-US" sz="4000" dirty="0"/>
           </a:p>
         </p:txBody>
       </p:sp>
